--- a/Session_4_5_Spring_Data_REST.pptx
+++ b/Session_4_5_Spring_Data_REST.pptx
@@ -6,10 +6,10 @@
     <p:sldMasterId id="2147484106" r:id="rId2"/>
   </p:sldMasterIdLst>
   <p:notesMasterIdLst>
-    <p:notesMasterId r:id="rId18"/>
+    <p:notesMasterId r:id="rId19"/>
   </p:notesMasterIdLst>
   <p:handoutMasterIdLst>
-    <p:handoutMasterId r:id="rId19"/>
+    <p:handoutMasterId r:id="rId20"/>
   </p:handoutMasterIdLst>
   <p:sldIdLst>
     <p:sldId id="601" r:id="rId3"/>
@@ -19,14 +19,15 @@
     <p:sldId id="644" r:id="rId7"/>
     <p:sldId id="651" r:id="rId8"/>
     <p:sldId id="645" r:id="rId9"/>
-    <p:sldId id="664" r:id="rId10"/>
-    <p:sldId id="661" r:id="rId11"/>
-    <p:sldId id="660" r:id="rId12"/>
-    <p:sldId id="662" r:id="rId13"/>
-    <p:sldId id="649" r:id="rId14"/>
-    <p:sldId id="650" r:id="rId15"/>
-    <p:sldId id="663" r:id="rId16"/>
-    <p:sldId id="639" r:id="rId17"/>
+    <p:sldId id="665" r:id="rId10"/>
+    <p:sldId id="664" r:id="rId11"/>
+    <p:sldId id="661" r:id="rId12"/>
+    <p:sldId id="660" r:id="rId13"/>
+    <p:sldId id="662" r:id="rId14"/>
+    <p:sldId id="649" r:id="rId15"/>
+    <p:sldId id="650" r:id="rId16"/>
+    <p:sldId id="663" r:id="rId17"/>
+    <p:sldId id="639" r:id="rId18"/>
   </p:sldIdLst>
   <p:sldSz cx="9144000" cy="5143500" type="screen16x9"/>
   <p:notesSz cx="6858000" cy="9144000"/>
@@ -141,6 +142,7 @@
             <p14:sldId id="644"/>
             <p14:sldId id="651"/>
             <p14:sldId id="645"/>
+            <p14:sldId id="665"/>
             <p14:sldId id="664"/>
           </p14:sldIdLst>
         </p14:section>
@@ -243,7 +245,7 @@
           <a:p>
             <a:fld id="{8B8A6F38-38DF-DE40-AB66-462ED217F8DB}" type="datetimeFigureOut">
               <a:rPr lang="en-US" smtClean="0"/>
-              <a:t>2/28/16</a:t>
+              <a:t>3/1/16</a:t>
             </a:fld>
             <a:endParaRPr lang="en-US"/>
           </a:p>
@@ -409,7 +411,7 @@
           <a:p>
             <a:fld id="{B72AF78E-2479-8240-A539-D96ACB7BCA91}" type="datetimeFigureOut">
               <a:rPr lang="en-US" smtClean="0"/>
-              <a:t>2/28/16</a:t>
+              <a:t>3/1/16</a:t>
             </a:fld>
             <a:endParaRPr lang="en-US"/>
           </a:p>
@@ -952,22 +954,6 @@
           </a:bodyPr>
           <a:lstStyle/>
           <a:p>
-            <a:r>
-              <a:rPr lang="en-US" dirty="0" smtClean="0"/>
-              <a:t>Maven</a:t>
-            </a:r>
-            <a:r>
-              <a:rPr lang="en-US" baseline="0" dirty="0" smtClean="0"/>
-              <a:t> is just one option. You can also use </a:t>
-            </a:r>
-            <a:r>
-              <a:rPr lang="en-US" baseline="0" dirty="0" err="1" smtClean="0"/>
-              <a:t>Gradle</a:t>
-            </a:r>
-            <a:r>
-              <a:rPr lang="en-US" baseline="0" dirty="0" smtClean="0"/>
-              <a:t> or Ant/Ivy</a:t>
-            </a:r>
             <a:endParaRPr dirty="0"/>
           </a:p>
         </p:txBody>
@@ -1073,6 +1059,22 @@
           </a:bodyPr>
           <a:lstStyle/>
           <a:p>
+            <a:r>
+              <a:rPr lang="en-US" dirty="0" smtClean="0"/>
+              <a:t>Maven</a:t>
+            </a:r>
+            <a:r>
+              <a:rPr lang="en-US" baseline="0" dirty="0" smtClean="0"/>
+              <a:t> is just one option. You can also use </a:t>
+            </a:r>
+            <a:r>
+              <a:rPr lang="en-US" baseline="0" dirty="0" err="1" smtClean="0"/>
+              <a:t>Gradle</a:t>
+            </a:r>
+            <a:r>
+              <a:rPr lang="en-US" baseline="0" dirty="0" smtClean="0"/>
+              <a:t> or Ant/Ivy</a:t>
+            </a:r>
             <a:endParaRPr dirty="0"/>
           </a:p>
         </p:txBody>
@@ -1347,6 +1349,111 @@
 </file>
 
 <file path=ppt/notesSlides/notesSlide15.xml><?xml version="1.0" encoding="utf-8"?>
+<p:notes xmlns:a="http://schemas.openxmlformats.org/drawingml/2006/main" xmlns:r="http://schemas.openxmlformats.org/officeDocument/2006/relationships" xmlns:p="http://schemas.openxmlformats.org/presentationml/2006/main" showMasterSp="0" showMasterPhAnim="0">
+  <p:cSld>
+    <p:spTree>
+      <p:nvGrpSpPr>
+        <p:cNvPr id="1" name="Shape 197"/>
+        <p:cNvGrpSpPr/>
+        <p:nvPr/>
+      </p:nvGrpSpPr>
+      <p:grpSpPr>
+        <a:xfrm>
+          <a:off x="0" y="0"/>
+          <a:ext cx="0" cy="0"/>
+          <a:chOff x="0" y="0"/>
+          <a:chExt cx="0" cy="0"/>
+        </a:xfrm>
+      </p:grpSpPr>
+      <p:sp>
+        <p:nvSpPr>
+          <p:cNvPr id="198" name="Shape 198"/>
+          <p:cNvSpPr txBox="1">
+            <a:spLocks noGrp="1"/>
+          </p:cNvSpPr>
+          <p:nvPr>
+            <p:ph type="body" idx="1"/>
+          </p:nvPr>
+        </p:nvSpPr>
+        <p:spPr>
+          <a:xfrm>
+            <a:off x="295171" y="2972431"/>
+            <a:ext cx="6267659" cy="5793719"/>
+          </a:xfrm>
+          <a:prstGeom prst="rect">
+            <a:avLst/>
+          </a:prstGeom>
+        </p:spPr>
+        <p:txBody>
+          <a:bodyPr lIns="90548" tIns="90548" rIns="90548" bIns="90548" anchor="t" anchorCtr="0">
+            <a:noAutofit/>
+          </a:bodyPr>
+          <a:lstStyle/>
+          <a:p>
+            <a:endParaRPr dirty="0"/>
+          </a:p>
+        </p:txBody>
+      </p:sp>
+      <p:sp>
+        <p:nvSpPr>
+          <p:cNvPr id="199" name="Shape 199"/>
+          <p:cNvSpPr>
+            <a:spLocks noGrp="1" noRot="1" noChangeAspect="1"/>
+          </p:cNvSpPr>
+          <p:nvPr>
+            <p:ph type="sldImg" idx="2"/>
+          </p:nvPr>
+        </p:nvSpPr>
+        <p:spPr>
+          <a:xfrm>
+            <a:off x="1606550" y="685800"/>
+            <a:ext cx="3702050" cy="2082800"/>
+          </a:xfrm>
+          <a:custGeom>
+            <a:avLst/>
+            <a:gdLst/>
+            <a:ahLst/>
+            <a:cxnLst/>
+            <a:rect l="0" t="0" r="0" b="0"/>
+            <a:pathLst>
+              <a:path w="120000" h="120000" extrusionOk="0">
+                <a:moveTo>
+                  <a:pt x="0" y="0"/>
+                </a:moveTo>
+                <a:lnTo>
+                  <a:pt x="120000" y="0"/>
+                </a:lnTo>
+                <a:lnTo>
+                  <a:pt x="120000" y="120000"/>
+                </a:lnTo>
+                <a:lnTo>
+                  <a:pt x="0" y="120000"/>
+                </a:lnTo>
+                <a:close/>
+              </a:path>
+            </a:pathLst>
+          </a:custGeom>
+          <a:noFill/>
+          <a:ln w="9525" cap="flat" cmpd="sng">
+            <a:solidFill>
+              <a:srgbClr val="000000"/>
+            </a:solidFill>
+            <a:prstDash val="solid"/>
+            <a:round/>
+            <a:headEnd type="none" w="med" len="med"/>
+            <a:tailEnd type="none" w="med" len="med"/>
+          </a:ln>
+        </p:spPr>
+      </p:sp>
+    </p:spTree>
+  </p:cSld>
+  <p:clrMapOvr>
+    <a:masterClrMapping/>
+  </p:clrMapOvr>
+</p:notes>
+</file>
+
+<file path=ppt/notesSlides/notesSlide16.xml><?xml version="1.0" encoding="utf-8"?>
 <p:notes xmlns:a="http://schemas.openxmlformats.org/drawingml/2006/main" xmlns:r="http://schemas.openxmlformats.org/officeDocument/2006/relationships" xmlns:p="http://schemas.openxmlformats.org/presentationml/2006/main">
   <p:cSld>
     <p:spTree>
@@ -2061,74 +2168,6 @@
 </file>
 
 <file path=ppt/notesSlides/notesSlide8.xml><?xml version="1.0" encoding="utf-8"?>
-<p:notes xmlns:a="http://schemas.openxmlformats.org/drawingml/2006/main" xmlns:r="http://schemas.openxmlformats.org/officeDocument/2006/relationships" xmlns:p="http://schemas.openxmlformats.org/presentationml/2006/main">
-  <p:cSld>
-    <p:spTree>
-      <p:nvGrpSpPr>
-        <p:cNvPr id="1" name=""/>
-        <p:cNvGrpSpPr/>
-        <p:nvPr/>
-      </p:nvGrpSpPr>
-      <p:grpSpPr>
-        <a:xfrm>
-          <a:off x="0" y="0"/>
-          <a:ext cx="0" cy="0"/>
-          <a:chOff x="0" y="0"/>
-          <a:chExt cx="0" cy="0"/>
-        </a:xfrm>
-      </p:grpSpPr>
-      <p:sp>
-        <p:nvSpPr>
-          <p:cNvPr id="2" name="Slide Image Placeholder 1"/>
-          <p:cNvSpPr>
-            <a:spLocks noGrp="1" noRot="1" noChangeAspect="1"/>
-          </p:cNvSpPr>
-          <p:nvPr>
-            <p:ph type="sldImg"/>
-          </p:nvPr>
-        </p:nvSpPr>
-        <p:spPr>
-          <a:xfrm>
-            <a:off x="381000" y="685800"/>
-            <a:ext cx="6096000" cy="3429000"/>
-          </a:xfrm>
-        </p:spPr>
-      </p:sp>
-      <p:sp>
-        <p:nvSpPr>
-          <p:cNvPr id="3" name="Notes Placeholder 2"/>
-          <p:cNvSpPr>
-            <a:spLocks noGrp="1"/>
-          </p:cNvSpPr>
-          <p:nvPr>
-            <p:ph type="body" idx="1"/>
-          </p:nvPr>
-        </p:nvSpPr>
-        <p:spPr/>
-        <p:txBody>
-          <a:bodyPr lIns="90571" tIns="45286" rIns="90571" bIns="45286">
-            <a:normAutofit/>
-          </a:bodyPr>
-          <a:lstStyle/>
-          <a:p>
-            <a:endParaRPr lang="en-US" dirty="0"/>
-          </a:p>
-        </p:txBody>
-      </p:sp>
-    </p:spTree>
-    <p:extLst>
-      <p:ext uri="{BB962C8B-B14F-4D97-AF65-F5344CB8AC3E}">
-        <p14:creationId xmlns:p14="http://schemas.microsoft.com/office/powerpoint/2010/main" val="2318069329"/>
-      </p:ext>
-    </p:extLst>
-  </p:cSld>
-  <p:clrMapOvr>
-    <a:masterClrMapping/>
-  </p:clrMapOvr>
-</p:notes>
-</file>
-
-<file path=ppt/notesSlides/notesSlide9.xml><?xml version="1.0" encoding="utf-8"?>
 <p:notes xmlns:a="http://schemas.openxmlformats.org/drawingml/2006/main" xmlns:r="http://schemas.openxmlformats.org/officeDocument/2006/relationships" xmlns:p="http://schemas.openxmlformats.org/presentationml/2006/main" showMasterSp="0" showMasterPhAnim="0">
   <p:cSld>
     <p:spTree>
@@ -2226,6 +2265,74 @@
         </p:spPr>
       </p:sp>
     </p:spTree>
+  </p:cSld>
+  <p:clrMapOvr>
+    <a:masterClrMapping/>
+  </p:clrMapOvr>
+</p:notes>
+</file>
+
+<file path=ppt/notesSlides/notesSlide9.xml><?xml version="1.0" encoding="utf-8"?>
+<p:notes xmlns:a="http://schemas.openxmlformats.org/drawingml/2006/main" xmlns:r="http://schemas.openxmlformats.org/officeDocument/2006/relationships" xmlns:p="http://schemas.openxmlformats.org/presentationml/2006/main">
+  <p:cSld>
+    <p:spTree>
+      <p:nvGrpSpPr>
+        <p:cNvPr id="1" name=""/>
+        <p:cNvGrpSpPr/>
+        <p:nvPr/>
+      </p:nvGrpSpPr>
+      <p:grpSpPr>
+        <a:xfrm>
+          <a:off x="0" y="0"/>
+          <a:ext cx="0" cy="0"/>
+          <a:chOff x="0" y="0"/>
+          <a:chExt cx="0" cy="0"/>
+        </a:xfrm>
+      </p:grpSpPr>
+      <p:sp>
+        <p:nvSpPr>
+          <p:cNvPr id="2" name="Slide Image Placeholder 1"/>
+          <p:cNvSpPr>
+            <a:spLocks noGrp="1" noRot="1" noChangeAspect="1"/>
+          </p:cNvSpPr>
+          <p:nvPr>
+            <p:ph type="sldImg"/>
+          </p:nvPr>
+        </p:nvSpPr>
+        <p:spPr>
+          <a:xfrm>
+            <a:off x="381000" y="685800"/>
+            <a:ext cx="6096000" cy="3429000"/>
+          </a:xfrm>
+        </p:spPr>
+      </p:sp>
+      <p:sp>
+        <p:nvSpPr>
+          <p:cNvPr id="3" name="Notes Placeholder 2"/>
+          <p:cNvSpPr>
+            <a:spLocks noGrp="1"/>
+          </p:cNvSpPr>
+          <p:nvPr>
+            <p:ph type="body" idx="1"/>
+          </p:nvPr>
+        </p:nvSpPr>
+        <p:spPr/>
+        <p:txBody>
+          <a:bodyPr lIns="90571" tIns="45286" rIns="90571" bIns="45286">
+            <a:normAutofit/>
+          </a:bodyPr>
+          <a:lstStyle/>
+          <a:p>
+            <a:endParaRPr lang="en-US" dirty="0"/>
+          </a:p>
+        </p:txBody>
+      </p:sp>
+    </p:spTree>
+    <p:extLst>
+      <p:ext uri="{BB962C8B-B14F-4D97-AF65-F5344CB8AC3E}">
+        <p14:creationId xmlns:p14="http://schemas.microsoft.com/office/powerpoint/2010/main" val="2318069329"/>
+      </p:ext>
+    </p:extLst>
   </p:cSld>
   <p:clrMapOvr>
     <a:masterClrMapping/>
@@ -5127,6 +5234,175 @@
                 </a:solidFill>
                 <a:sym typeface="Arial"/>
               </a:rPr>
+              <a:t>Topics in this Session</a:t>
+            </a:r>
+            <a:endParaRPr lang="en-US" sz="3600" dirty="0">
+              <a:solidFill>
+                <a:schemeClr val="accent1"/>
+              </a:solidFill>
+              <a:sym typeface="Arial"/>
+            </a:endParaRPr>
+          </a:p>
+        </p:txBody>
+      </p:sp>
+      <p:sp>
+        <p:nvSpPr>
+          <p:cNvPr id="196" name="Shape 196"/>
+          <p:cNvSpPr txBox="1">
+            <a:spLocks noGrp="1"/>
+          </p:cNvSpPr>
+          <p:nvPr>
+            <p:ph type="body" sz="quarter" idx="4294967295"/>
+          </p:nvPr>
+        </p:nvSpPr>
+        <p:spPr>
+          <a:xfrm>
+            <a:off x="431800" y="624362"/>
+            <a:ext cx="8551408" cy="3848609"/>
+          </a:xfrm>
+          <a:prstGeom prst="rect">
+            <a:avLst/>
+          </a:prstGeom>
+        </p:spPr>
+        <p:txBody>
+          <a:bodyPr/>
+          <a:lstStyle/>
+          <a:p>
+            <a:pPr marL="0" lvl="0" indent="0">
+              <a:buClr>
+                <a:srgbClr val="008774"/>
+              </a:buClr>
+              <a:buNone/>
+            </a:pPr>
+            <a:endParaRPr lang="en-US" sz="2800" dirty="0" smtClean="0">
+              <a:sym typeface="Arial"/>
+            </a:endParaRPr>
+          </a:p>
+          <a:p>
+            <a:pPr>
+              <a:buClr>
+                <a:srgbClr val="008774"/>
+              </a:buClr>
+            </a:pPr>
+            <a:r>
+              <a:rPr lang="en-US" sz="2400" dirty="0" smtClean="0">
+                <a:sym typeface="Arial"/>
+              </a:rPr>
+              <a:t>Review Spring Data</a:t>
+            </a:r>
+            <a:endParaRPr lang="en-US" sz="2000" dirty="0" smtClean="0">
+              <a:sym typeface="Arial"/>
+            </a:endParaRPr>
+          </a:p>
+          <a:p>
+            <a:pPr>
+              <a:buClr>
+                <a:srgbClr val="008774"/>
+              </a:buClr>
+            </a:pPr>
+            <a:r>
+              <a:rPr lang="en-US" sz="2400" b="1" dirty="0" smtClean="0">
+                <a:sym typeface="Arial"/>
+              </a:rPr>
+              <a:t>Spring Data REST</a:t>
+            </a:r>
+          </a:p>
+        </p:txBody>
+      </p:sp>
+      <p:sp>
+        <p:nvSpPr>
+          <p:cNvPr id="3" name="TextBox 2"/>
+          <p:cNvSpPr txBox="1"/>
+          <p:nvPr/>
+        </p:nvSpPr>
+        <p:spPr>
+          <a:xfrm>
+            <a:off x="8370455" y="4906818"/>
+            <a:ext cx="184666" cy="369332"/>
+          </a:xfrm>
+          <a:prstGeom prst="rect">
+            <a:avLst/>
+          </a:prstGeom>
+          <a:noFill/>
+        </p:spPr>
+        <p:txBody>
+          <a:bodyPr wrap="none" rtlCol="0">
+            <a:spAutoFit/>
+          </a:bodyPr>
+          <a:lstStyle/>
+          <a:p>
+            <a:endParaRPr lang="en-US" dirty="0"/>
+          </a:p>
+        </p:txBody>
+      </p:sp>
+    </p:spTree>
+    <p:extLst>
+      <p:ext uri="{BB962C8B-B14F-4D97-AF65-F5344CB8AC3E}">
+        <p14:creationId xmlns:p14="http://schemas.microsoft.com/office/powerpoint/2010/main" val="970695873"/>
+      </p:ext>
+    </p:extLst>
+  </p:cSld>
+  <p:clrMapOvr>
+    <a:masterClrMapping/>
+  </p:clrMapOvr>
+  <mc:AlternateContent xmlns:mc="http://schemas.openxmlformats.org/markup-compatibility/2006" xmlns:p14="http://schemas.microsoft.com/office/powerpoint/2010/main">
+    <mc:Choice Requires="p14">
+      <p:transition p14:dur="0"/>
+    </mc:Choice>
+    <mc:Fallback xmlns="">
+      <p:transition xmlns:p14="http://schemas.microsoft.com/office/powerpoint/2010/main"/>
+    </mc:Fallback>
+  </mc:AlternateContent>
+  <p:timing>
+    <p:tnLst>
+      <p:par>
+        <p:cTn xmlns:p14="http://schemas.microsoft.com/office/powerpoint/2010/main" id="1" dur="indefinite" restart="never" nodeType="tmRoot"/>
+      </p:par>
+    </p:tnLst>
+  </p:timing>
+</p:sld>
+</file>
+
+<file path=ppt/slides/slide11.xml><?xml version="1.0" encoding="utf-8"?>
+<p:sld xmlns:a="http://schemas.openxmlformats.org/drawingml/2006/main" xmlns:r="http://schemas.openxmlformats.org/officeDocument/2006/relationships" xmlns:p="http://schemas.openxmlformats.org/presentationml/2006/main">
+  <p:cSld>
+    <p:spTree>
+      <p:nvGrpSpPr>
+        <p:cNvPr id="1" name="Shape 194"/>
+        <p:cNvGrpSpPr/>
+        <p:nvPr/>
+      </p:nvGrpSpPr>
+      <p:grpSpPr>
+        <a:xfrm>
+          <a:off x="0" y="0"/>
+          <a:ext cx="0" cy="0"/>
+          <a:chOff x="0" y="0"/>
+          <a:chExt cx="0" cy="0"/>
+        </a:xfrm>
+      </p:grpSpPr>
+      <p:sp>
+        <p:nvSpPr>
+          <p:cNvPr id="195" name="Shape 195"/>
+          <p:cNvSpPr txBox="1">
+            <a:spLocks noGrp="1"/>
+          </p:cNvSpPr>
+          <p:nvPr>
+            <p:ph type="title"/>
+          </p:nvPr>
+        </p:nvSpPr>
+        <p:spPr/>
+        <p:txBody>
+          <a:bodyPr/>
+          <a:lstStyle/>
+          <a:p>
+            <a:pPr lvl="0"/>
+            <a:r>
+              <a:rPr lang="en-US" sz="3600" dirty="0" smtClean="0">
+                <a:solidFill>
+                  <a:schemeClr val="accent1"/>
+                </a:solidFill>
+                <a:sym typeface="Arial"/>
+              </a:rPr>
               <a:t>Spring Data REST</a:t>
             </a:r>
             <a:endParaRPr lang="en-US" sz="3600" dirty="0">
@@ -5289,7 +5565,7 @@
 </p:sld>
 </file>
 
-<file path=ppt/slides/slide11.xml><?xml version="1.0" encoding="utf-8"?>
+<file path=ppt/slides/slide12.xml><?xml version="1.0" encoding="utf-8"?>
 <p:sld xmlns:a="http://schemas.openxmlformats.org/drawingml/2006/main" xmlns:r="http://schemas.openxmlformats.org/officeDocument/2006/relationships" xmlns:p="http://schemas.openxmlformats.org/presentationml/2006/main">
   <p:cSld>
     <p:spTree>
@@ -5692,7 +5968,7 @@
 </p:sld>
 </file>
 
-<file path=ppt/slides/slide12.xml><?xml version="1.0" encoding="utf-8"?>
+<file path=ppt/slides/slide13.xml><?xml version="1.0" encoding="utf-8"?>
 <p:sld xmlns:a="http://schemas.openxmlformats.org/drawingml/2006/main" xmlns:r="http://schemas.openxmlformats.org/officeDocument/2006/relationships" xmlns:p="http://schemas.openxmlformats.org/presentationml/2006/main">
   <p:cSld>
     <p:spTree>
@@ -6125,144 +6401,6 @@
           </a:p>
         </p:txBody>
       </p:sp>
-    </p:spTree>
-    <p:extLst>
-      <p:ext uri="{BB962C8B-B14F-4D97-AF65-F5344CB8AC3E}">
-        <p14:creationId xmlns:p14="http://schemas.microsoft.com/office/powerpoint/2010/main" val="4114863371"/>
-      </p:ext>
-    </p:extLst>
-  </p:cSld>
-  <p:clrMapOvr>
-    <a:masterClrMapping/>
-  </p:clrMapOvr>
-  <mc:AlternateContent xmlns:mc="http://schemas.openxmlformats.org/markup-compatibility/2006" xmlns:p14="http://schemas.microsoft.com/office/powerpoint/2010/main">
-    <mc:Choice Requires="p14">
-      <p:transition p14:dur="0"/>
-    </mc:Choice>
-    <mc:Fallback xmlns="">
-      <p:transition xmlns:p14="http://schemas.microsoft.com/office/powerpoint/2010/main"/>
-    </mc:Fallback>
-  </mc:AlternateContent>
-  <p:timing>
-    <p:tnLst>
-      <p:par>
-        <p:cTn xmlns:p14="http://schemas.microsoft.com/office/powerpoint/2010/main" id="1" dur="indefinite" restart="never" nodeType="tmRoot"/>
-      </p:par>
-    </p:tnLst>
-  </p:timing>
-</p:sld>
-</file>
-
-<file path=ppt/slides/slide13.xml><?xml version="1.0" encoding="utf-8"?>
-<p:sld xmlns:a="http://schemas.openxmlformats.org/drawingml/2006/main" xmlns:r="http://schemas.openxmlformats.org/officeDocument/2006/relationships" xmlns:p="http://schemas.openxmlformats.org/presentationml/2006/main">
-  <p:cSld>
-    <p:spTree>
-      <p:nvGrpSpPr>
-        <p:cNvPr id="1" name="Shape 194"/>
-        <p:cNvGrpSpPr/>
-        <p:nvPr/>
-      </p:nvGrpSpPr>
-      <p:grpSpPr>
-        <a:xfrm>
-          <a:off x="0" y="0"/>
-          <a:ext cx="0" cy="0"/>
-          <a:chOff x="0" y="0"/>
-          <a:chExt cx="0" cy="0"/>
-        </a:xfrm>
-      </p:grpSpPr>
-      <p:sp>
-        <p:nvSpPr>
-          <p:cNvPr id="195" name="Shape 195"/>
-          <p:cNvSpPr txBox="1">
-            <a:spLocks noGrp="1"/>
-          </p:cNvSpPr>
-          <p:nvPr>
-            <p:ph type="title"/>
-          </p:nvPr>
-        </p:nvSpPr>
-        <p:spPr/>
-        <p:txBody>
-          <a:bodyPr/>
-          <a:lstStyle/>
-          <a:p>
-            <a:pPr lvl="0"/>
-            <a:r>
-              <a:rPr lang="en-US" sz="3600" dirty="0" err="1" smtClean="0">
-                <a:solidFill>
-                  <a:schemeClr val="accent1"/>
-                </a:solidFill>
-                <a:sym typeface="Arial"/>
-              </a:rPr>
-              <a:t>RESTful</a:t>
-            </a:r>
-            <a:r>
-              <a:rPr lang="en-US" sz="3600" dirty="0" smtClean="0">
-                <a:solidFill>
-                  <a:schemeClr val="accent1"/>
-                </a:solidFill>
-                <a:sym typeface="Arial"/>
-              </a:rPr>
-              <a:t> API</a:t>
-            </a:r>
-            <a:endParaRPr lang="en-US" sz="3600" dirty="0">
-              <a:solidFill>
-                <a:schemeClr val="accent1"/>
-              </a:solidFill>
-              <a:sym typeface="Arial"/>
-            </a:endParaRPr>
-          </a:p>
-        </p:txBody>
-      </p:sp>
-      <p:sp>
-        <p:nvSpPr>
-          <p:cNvPr id="3" name="TextBox 2"/>
-          <p:cNvSpPr txBox="1"/>
-          <p:nvPr/>
-        </p:nvSpPr>
-        <p:spPr>
-          <a:xfrm>
-            <a:off x="8370455" y="4906818"/>
-            <a:ext cx="184666" cy="369332"/>
-          </a:xfrm>
-          <a:prstGeom prst="rect">
-            <a:avLst/>
-          </a:prstGeom>
-          <a:noFill/>
-        </p:spPr>
-        <p:txBody>
-          <a:bodyPr wrap="none" rtlCol="0">
-            <a:spAutoFit/>
-          </a:bodyPr>
-          <a:lstStyle/>
-          <a:p>
-            <a:endParaRPr lang="en-US" dirty="0"/>
-          </a:p>
-        </p:txBody>
-      </p:sp>
-      <p:pic>
-        <p:nvPicPr>
-          <p:cNvPr id="27" name="Picture 26"/>
-          <p:cNvPicPr>
-            <a:picLocks noChangeAspect="1"/>
-          </p:cNvPicPr>
-          <p:nvPr/>
-        </p:nvPicPr>
-        <p:blipFill>
-          <a:blip r:embed="rId3"/>
-          <a:stretch>
-            <a:fillRect/>
-          </a:stretch>
-        </p:blipFill>
-        <p:spPr>
-          <a:xfrm>
-            <a:off x="1371601" y="977900"/>
-            <a:ext cx="5750560" cy="4165600"/>
-          </a:xfrm>
-          <a:prstGeom prst="rect">
-            <a:avLst/>
-          </a:prstGeom>
-        </p:spPr>
-      </p:pic>
     </p:spTree>
     <p:extLst>
       <p:ext uri="{BB962C8B-B14F-4D97-AF65-F5344CB8AC3E}">
@@ -6325,6 +6463,144 @@
           <a:p>
             <a:pPr lvl="0"/>
             <a:r>
+              <a:rPr lang="en-US" sz="3600" dirty="0" err="1" smtClean="0">
+                <a:solidFill>
+                  <a:schemeClr val="accent1"/>
+                </a:solidFill>
+                <a:sym typeface="Arial"/>
+              </a:rPr>
+              <a:t>RESTful</a:t>
+            </a:r>
+            <a:r>
+              <a:rPr lang="en-US" sz="3600" dirty="0" smtClean="0">
+                <a:solidFill>
+                  <a:schemeClr val="accent1"/>
+                </a:solidFill>
+                <a:sym typeface="Arial"/>
+              </a:rPr>
+              <a:t> API</a:t>
+            </a:r>
+            <a:endParaRPr lang="en-US" sz="3600" dirty="0">
+              <a:solidFill>
+                <a:schemeClr val="accent1"/>
+              </a:solidFill>
+              <a:sym typeface="Arial"/>
+            </a:endParaRPr>
+          </a:p>
+        </p:txBody>
+      </p:sp>
+      <p:sp>
+        <p:nvSpPr>
+          <p:cNvPr id="3" name="TextBox 2"/>
+          <p:cNvSpPr txBox="1"/>
+          <p:nvPr/>
+        </p:nvSpPr>
+        <p:spPr>
+          <a:xfrm>
+            <a:off x="8370455" y="4906818"/>
+            <a:ext cx="184666" cy="369332"/>
+          </a:xfrm>
+          <a:prstGeom prst="rect">
+            <a:avLst/>
+          </a:prstGeom>
+          <a:noFill/>
+        </p:spPr>
+        <p:txBody>
+          <a:bodyPr wrap="none" rtlCol="0">
+            <a:spAutoFit/>
+          </a:bodyPr>
+          <a:lstStyle/>
+          <a:p>
+            <a:endParaRPr lang="en-US" dirty="0"/>
+          </a:p>
+        </p:txBody>
+      </p:sp>
+      <p:pic>
+        <p:nvPicPr>
+          <p:cNvPr id="27" name="Picture 26"/>
+          <p:cNvPicPr>
+            <a:picLocks noChangeAspect="1"/>
+          </p:cNvPicPr>
+          <p:nvPr/>
+        </p:nvPicPr>
+        <p:blipFill>
+          <a:blip r:embed="rId3"/>
+          <a:stretch>
+            <a:fillRect/>
+          </a:stretch>
+        </p:blipFill>
+        <p:spPr>
+          <a:xfrm>
+            <a:off x="1371601" y="977900"/>
+            <a:ext cx="5750560" cy="4165600"/>
+          </a:xfrm>
+          <a:prstGeom prst="rect">
+            <a:avLst/>
+          </a:prstGeom>
+        </p:spPr>
+      </p:pic>
+    </p:spTree>
+    <p:extLst>
+      <p:ext uri="{BB962C8B-B14F-4D97-AF65-F5344CB8AC3E}">
+        <p14:creationId xmlns:p14="http://schemas.microsoft.com/office/powerpoint/2010/main" val="4114863371"/>
+      </p:ext>
+    </p:extLst>
+  </p:cSld>
+  <p:clrMapOvr>
+    <a:masterClrMapping/>
+  </p:clrMapOvr>
+  <mc:AlternateContent xmlns:mc="http://schemas.openxmlformats.org/markup-compatibility/2006" xmlns:p14="http://schemas.microsoft.com/office/powerpoint/2010/main">
+    <mc:Choice Requires="p14">
+      <p:transition p14:dur="0"/>
+    </mc:Choice>
+    <mc:Fallback xmlns="">
+      <p:transition xmlns:p14="http://schemas.microsoft.com/office/powerpoint/2010/main"/>
+    </mc:Fallback>
+  </mc:AlternateContent>
+  <p:timing>
+    <p:tnLst>
+      <p:par>
+        <p:cTn xmlns:p14="http://schemas.microsoft.com/office/powerpoint/2010/main" id="1" dur="indefinite" restart="never" nodeType="tmRoot"/>
+      </p:par>
+    </p:tnLst>
+  </p:timing>
+</p:sld>
+</file>
+
+<file path=ppt/slides/slide15.xml><?xml version="1.0" encoding="utf-8"?>
+<p:sld xmlns:a="http://schemas.openxmlformats.org/drawingml/2006/main" xmlns:r="http://schemas.openxmlformats.org/officeDocument/2006/relationships" xmlns:p="http://schemas.openxmlformats.org/presentationml/2006/main">
+  <p:cSld>
+    <p:spTree>
+      <p:nvGrpSpPr>
+        <p:cNvPr id="1" name="Shape 194"/>
+        <p:cNvGrpSpPr/>
+        <p:nvPr/>
+      </p:nvGrpSpPr>
+      <p:grpSpPr>
+        <a:xfrm>
+          <a:off x="0" y="0"/>
+          <a:ext cx="0" cy="0"/>
+          <a:chOff x="0" y="0"/>
+          <a:chExt cx="0" cy="0"/>
+        </a:xfrm>
+      </p:grpSpPr>
+      <p:sp>
+        <p:nvSpPr>
+          <p:cNvPr id="195" name="Shape 195"/>
+          <p:cNvSpPr txBox="1">
+            <a:spLocks noGrp="1"/>
+          </p:cNvSpPr>
+          <p:nvPr>
+            <p:ph type="title"/>
+          </p:nvPr>
+        </p:nvSpPr>
+        <p:spPr/>
+        <p:txBody>
+          <a:bodyPr/>
+          <a:lstStyle/>
+          <a:p>
+            <a:pPr lvl="0"/>
+            <a:r>
               <a:rPr lang="en-US" sz="3600" dirty="0" smtClean="0">
                 <a:solidFill>
                   <a:schemeClr val="accent1"/>
@@ -6476,7 +6752,7 @@
 </p:sld>
 </file>
 
-<file path=ppt/slides/slide15.xml><?xml version="1.0" encoding="utf-8"?>
+<file path=ppt/slides/slide16.xml><?xml version="1.0" encoding="utf-8"?>
 <p:sld xmlns:a="http://schemas.openxmlformats.org/drawingml/2006/main" xmlns:r="http://schemas.openxmlformats.org/officeDocument/2006/relationships" xmlns:p="http://schemas.openxmlformats.org/presentationml/2006/main">
   <p:cSld>
     <p:spTree>
@@ -9554,6 +9830,363 @@
   <p:cSld>
     <p:spTree>
       <p:nvGrpSpPr>
+        <p:cNvPr id="1" name="Shape 194"/>
+        <p:cNvGrpSpPr/>
+        <p:nvPr/>
+      </p:nvGrpSpPr>
+      <p:grpSpPr>
+        <a:xfrm>
+          <a:off x="0" y="0"/>
+          <a:ext cx="0" cy="0"/>
+          <a:chOff x="0" y="0"/>
+          <a:chExt cx="0" cy="0"/>
+        </a:xfrm>
+      </p:grpSpPr>
+      <p:sp>
+        <p:nvSpPr>
+          <p:cNvPr id="195" name="Shape 195"/>
+          <p:cNvSpPr txBox="1">
+            <a:spLocks noGrp="1"/>
+          </p:cNvSpPr>
+          <p:nvPr>
+            <p:ph type="title"/>
+          </p:nvPr>
+        </p:nvSpPr>
+        <p:spPr/>
+        <p:txBody>
+          <a:bodyPr/>
+          <a:lstStyle/>
+          <a:p>
+            <a:pPr lvl="0"/>
+            <a:r>
+              <a:rPr lang="en-US" sz="3600" dirty="0" smtClean="0">
+                <a:solidFill>
+                  <a:schemeClr val="accent1"/>
+                </a:solidFill>
+                <a:sym typeface="Arial"/>
+              </a:rPr>
+              <a:t>Other Repositories</a:t>
+            </a:r>
+            <a:endParaRPr lang="en-US" sz="3600" dirty="0">
+              <a:solidFill>
+                <a:schemeClr val="accent1"/>
+              </a:solidFill>
+              <a:sym typeface="Arial"/>
+            </a:endParaRPr>
+          </a:p>
+        </p:txBody>
+      </p:sp>
+      <p:sp>
+        <p:nvSpPr>
+          <p:cNvPr id="3" name="TextBox 2"/>
+          <p:cNvSpPr txBox="1"/>
+          <p:nvPr/>
+        </p:nvSpPr>
+        <p:spPr>
+          <a:xfrm>
+            <a:off x="8370455" y="4906818"/>
+            <a:ext cx="184666" cy="369332"/>
+          </a:xfrm>
+          <a:prstGeom prst="rect">
+            <a:avLst/>
+          </a:prstGeom>
+          <a:noFill/>
+        </p:spPr>
+        <p:txBody>
+          <a:bodyPr wrap="none" rtlCol="0">
+            <a:spAutoFit/>
+          </a:bodyPr>
+          <a:lstStyle/>
+          <a:p>
+            <a:endParaRPr lang="en-US" dirty="0"/>
+          </a:p>
+        </p:txBody>
+      </p:sp>
+      <p:sp>
+        <p:nvSpPr>
+          <p:cNvPr id="9" name="Rectangle 8"/>
+          <p:cNvSpPr/>
+          <p:nvPr/>
+        </p:nvSpPr>
+        <p:spPr>
+          <a:xfrm>
+            <a:off x="772160" y="1063379"/>
+            <a:ext cx="7914640" cy="1435981"/>
+          </a:xfrm>
+          <a:prstGeom prst="rect">
+            <a:avLst/>
+          </a:prstGeom>
+          <a:solidFill>
+            <a:srgbClr val="FFFFCC"/>
+          </a:solidFill>
+          <a:ln>
+            <a:solidFill>
+              <a:srgbClr val="FFFFCC"/>
+            </a:solidFill>
+          </a:ln>
+        </p:spPr>
+        <p:style>
+          <a:lnRef idx="1">
+            <a:schemeClr val="accent1"/>
+          </a:lnRef>
+          <a:fillRef idx="3">
+            <a:schemeClr val="accent1"/>
+          </a:fillRef>
+          <a:effectRef idx="2">
+            <a:schemeClr val="accent1"/>
+          </a:effectRef>
+          <a:fontRef idx="minor">
+            <a:schemeClr val="lt1"/>
+          </a:fontRef>
+        </p:style>
+        <p:txBody>
+          <a:bodyPr rtlCol="0" anchor="ctr"/>
+          <a:lstStyle/>
+          <a:p>
+            <a:pPr>
+              <a:buClr>
+                <a:srgbClr val="008774"/>
+              </a:buClr>
+            </a:pPr>
+            <a:r>
+              <a:rPr lang="en-US" sz="1100" b="1" dirty="0" smtClean="0">
+                <a:solidFill>
+                  <a:srgbClr val="7F7F7F"/>
+                </a:solidFill>
+                <a:sym typeface="Arial"/>
+              </a:rPr>
+              <a:t>@Repository</a:t>
+            </a:r>
+          </a:p>
+          <a:p>
+            <a:pPr>
+              <a:buClr>
+                <a:srgbClr val="008774"/>
+              </a:buClr>
+            </a:pPr>
+            <a:r>
+              <a:rPr lang="en-US" sz="1100" b="1" dirty="0">
+                <a:solidFill>
+                  <a:srgbClr val="800000"/>
+                </a:solidFill>
+                <a:sym typeface="Arial"/>
+              </a:rPr>
+              <a:t>p</a:t>
+            </a:r>
+            <a:r>
+              <a:rPr lang="en-US" sz="1100" b="1" dirty="0" smtClean="0">
+                <a:solidFill>
+                  <a:srgbClr val="800000"/>
+                </a:solidFill>
+                <a:sym typeface="Arial"/>
+              </a:rPr>
+              <a:t>ublic</a:t>
+            </a:r>
+            <a:r>
+              <a:rPr lang="en-US" sz="1100" b="1" dirty="0" smtClean="0">
+                <a:solidFill>
+                  <a:srgbClr val="7F7F7F"/>
+                </a:solidFill>
+                <a:sym typeface="Arial"/>
+              </a:rPr>
+              <a:t> </a:t>
+            </a:r>
+            <a:r>
+              <a:rPr lang="en-US" sz="1100" b="1" dirty="0" smtClean="0">
+                <a:solidFill>
+                  <a:srgbClr val="800000"/>
+                </a:solidFill>
+                <a:sym typeface="Arial"/>
+              </a:rPr>
+              <a:t>interface</a:t>
+            </a:r>
+            <a:r>
+              <a:rPr lang="en-US" sz="1100" b="1" dirty="0" smtClean="0">
+                <a:solidFill>
+                  <a:srgbClr val="7F7F7F"/>
+                </a:solidFill>
+                <a:sym typeface="Arial"/>
+              </a:rPr>
+              <a:t> </a:t>
+            </a:r>
+            <a:r>
+              <a:rPr lang="en-US" sz="1100" b="1" dirty="0" err="1" smtClean="0">
+                <a:solidFill>
+                  <a:srgbClr val="7F7F7F"/>
+                </a:solidFill>
+                <a:sym typeface="Arial"/>
+              </a:rPr>
+              <a:t>MongoAlbumRepository</a:t>
+            </a:r>
+            <a:r>
+              <a:rPr lang="en-US" sz="1100" b="1" dirty="0" smtClean="0">
+                <a:solidFill>
+                  <a:srgbClr val="7F7F7F"/>
+                </a:solidFill>
+                <a:sym typeface="Arial"/>
+              </a:rPr>
+              <a:t> </a:t>
+            </a:r>
+            <a:r>
+              <a:rPr lang="en-US" sz="1100" b="1" dirty="0" smtClean="0">
+                <a:solidFill>
+                  <a:srgbClr val="800000"/>
+                </a:solidFill>
+                <a:sym typeface="Arial"/>
+              </a:rPr>
+              <a:t>extends</a:t>
+            </a:r>
+            <a:r>
+              <a:rPr lang="en-US" sz="1100" b="1" dirty="0" smtClean="0">
+                <a:solidFill>
+                  <a:srgbClr val="7F7F7F"/>
+                </a:solidFill>
+                <a:sym typeface="Arial"/>
+              </a:rPr>
+              <a:t> </a:t>
+            </a:r>
+            <a:r>
+              <a:rPr lang="en-US" sz="1100" b="1" dirty="0" err="1" smtClean="0">
+                <a:solidFill>
+                  <a:srgbClr val="7F7F7F"/>
+                </a:solidFill>
+                <a:sym typeface="Arial"/>
+              </a:rPr>
+              <a:t>MongoRepository</a:t>
+            </a:r>
+            <a:r>
+              <a:rPr lang="en-US" sz="1100" b="1" dirty="0" smtClean="0">
+                <a:solidFill>
+                  <a:srgbClr val="7F7F7F"/>
+                </a:solidFill>
+                <a:sym typeface="Arial"/>
+              </a:rPr>
+              <a:t>&lt;Album, String&gt;, </a:t>
+            </a:r>
+            <a:r>
+              <a:rPr lang="en-US" sz="1100" b="1" dirty="0" err="1" smtClean="0">
+                <a:solidFill>
+                  <a:srgbClr val="7F7F7F"/>
+                </a:solidFill>
+                <a:sym typeface="Arial"/>
+              </a:rPr>
+              <a:t>AlbumRepository</a:t>
+            </a:r>
+            <a:r>
+              <a:rPr lang="en-US" sz="1100" b="1" smtClean="0">
+                <a:solidFill>
+                  <a:srgbClr val="7F7F7F"/>
+                </a:solidFill>
+                <a:sym typeface="Arial"/>
+              </a:rPr>
+              <a:t> {</a:t>
+            </a:r>
+            <a:endParaRPr lang="en-US" sz="1100" b="1" dirty="0" smtClean="0">
+              <a:solidFill>
+                <a:srgbClr val="7F7F7F"/>
+              </a:solidFill>
+              <a:sym typeface="Arial"/>
+            </a:endParaRPr>
+          </a:p>
+          <a:p>
+            <a:pPr>
+              <a:buClr>
+                <a:srgbClr val="008774"/>
+              </a:buClr>
+            </a:pPr>
+            <a:endParaRPr lang="en-US" sz="1100" b="1" dirty="0">
+              <a:solidFill>
+                <a:srgbClr val="7F7F7F"/>
+              </a:solidFill>
+              <a:sym typeface="Arial"/>
+            </a:endParaRPr>
+          </a:p>
+          <a:p>
+            <a:pPr>
+              <a:buClr>
+                <a:srgbClr val="008774"/>
+              </a:buClr>
+            </a:pPr>
+            <a:r>
+              <a:rPr lang="en-US" sz="1100" b="1" dirty="0" smtClean="0">
+                <a:solidFill>
+                  <a:srgbClr val="7F7F7F"/>
+                </a:solidFill>
+                <a:sym typeface="Arial"/>
+              </a:rPr>
+              <a:t>	…</a:t>
+            </a:r>
+          </a:p>
+          <a:p>
+            <a:pPr>
+              <a:buClr>
+                <a:srgbClr val="008774"/>
+              </a:buClr>
+            </a:pPr>
+            <a:endParaRPr lang="en-US" sz="1100" b="1" dirty="0" smtClean="0">
+              <a:solidFill>
+                <a:srgbClr val="7F7F7F"/>
+              </a:solidFill>
+              <a:sym typeface="Arial"/>
+            </a:endParaRPr>
+          </a:p>
+          <a:p>
+            <a:pPr>
+              <a:buClr>
+                <a:srgbClr val="008774"/>
+              </a:buClr>
+            </a:pPr>
+            <a:r>
+              <a:rPr lang="en-US" sz="1100" b="1" dirty="0">
+                <a:solidFill>
+                  <a:srgbClr val="7F7F7F"/>
+                </a:solidFill>
+                <a:sym typeface="Arial"/>
+              </a:rPr>
+              <a:t>}</a:t>
+            </a:r>
+            <a:endParaRPr lang="en-US" sz="1100" b="1" dirty="0">
+              <a:solidFill>
+                <a:schemeClr val="tx1"/>
+              </a:solidFill>
+              <a:sym typeface="Arial"/>
+            </a:endParaRPr>
+          </a:p>
+        </p:txBody>
+      </p:sp>
+    </p:spTree>
+    <p:extLst>
+      <p:ext uri="{BB962C8B-B14F-4D97-AF65-F5344CB8AC3E}">
+        <p14:creationId xmlns:p14="http://schemas.microsoft.com/office/powerpoint/2010/main" val="1360119610"/>
+      </p:ext>
+    </p:extLst>
+  </p:cSld>
+  <p:clrMapOvr>
+    <a:masterClrMapping/>
+  </p:clrMapOvr>
+  <mc:AlternateContent xmlns:mc="http://schemas.openxmlformats.org/markup-compatibility/2006" xmlns:p14="http://schemas.microsoft.com/office/powerpoint/2010/main">
+    <mc:Choice Requires="p14">
+      <p:transition p14:dur="0"/>
+    </mc:Choice>
+    <mc:Fallback xmlns="">
+      <p:transition xmlns:p14="http://schemas.microsoft.com/office/powerpoint/2010/main"/>
+    </mc:Fallback>
+  </mc:AlternateContent>
+  <p:timing>
+    <p:tnLst>
+      <p:par>
+        <p:cTn xmlns:p14="http://schemas.microsoft.com/office/powerpoint/2010/main" id="1" dur="indefinite" restart="never" nodeType="tmRoot"/>
+      </p:par>
+    </p:tnLst>
+  </p:timing>
+</p:sld>
+</file>
+
+<file path=ppt/slides/slide9.xml><?xml version="1.0" encoding="utf-8"?>
+<p:sld xmlns:a="http://schemas.openxmlformats.org/drawingml/2006/main" xmlns:r="http://schemas.openxmlformats.org/officeDocument/2006/relationships" xmlns:p="http://schemas.openxmlformats.org/presentationml/2006/main">
+  <p:cSld>
+    <p:spTree>
+      <p:nvGrpSpPr>
         <p:cNvPr id="1" name=""/>
         <p:cNvGrpSpPr/>
         <p:nvPr/>
@@ -9913,175 +10546,6 @@
     <p:extLst>
       <p:ext uri="{BB962C8B-B14F-4D97-AF65-F5344CB8AC3E}">
         <p14:creationId xmlns:p14="http://schemas.microsoft.com/office/powerpoint/2010/main" val="3810043215"/>
-      </p:ext>
-    </p:extLst>
-  </p:cSld>
-  <p:clrMapOvr>
-    <a:masterClrMapping/>
-  </p:clrMapOvr>
-  <mc:AlternateContent xmlns:mc="http://schemas.openxmlformats.org/markup-compatibility/2006" xmlns:p14="http://schemas.microsoft.com/office/powerpoint/2010/main">
-    <mc:Choice Requires="p14">
-      <p:transition p14:dur="0"/>
-    </mc:Choice>
-    <mc:Fallback xmlns="">
-      <p:transition xmlns:p14="http://schemas.microsoft.com/office/powerpoint/2010/main"/>
-    </mc:Fallback>
-  </mc:AlternateContent>
-  <p:timing>
-    <p:tnLst>
-      <p:par>
-        <p:cTn xmlns:p14="http://schemas.microsoft.com/office/powerpoint/2010/main" id="1" dur="indefinite" restart="never" nodeType="tmRoot"/>
-      </p:par>
-    </p:tnLst>
-  </p:timing>
-</p:sld>
-</file>
-
-<file path=ppt/slides/slide9.xml><?xml version="1.0" encoding="utf-8"?>
-<p:sld xmlns:a="http://schemas.openxmlformats.org/drawingml/2006/main" xmlns:r="http://schemas.openxmlformats.org/officeDocument/2006/relationships" xmlns:p="http://schemas.openxmlformats.org/presentationml/2006/main">
-  <p:cSld>
-    <p:spTree>
-      <p:nvGrpSpPr>
-        <p:cNvPr id="1" name="Shape 194"/>
-        <p:cNvGrpSpPr/>
-        <p:nvPr/>
-      </p:nvGrpSpPr>
-      <p:grpSpPr>
-        <a:xfrm>
-          <a:off x="0" y="0"/>
-          <a:ext cx="0" cy="0"/>
-          <a:chOff x="0" y="0"/>
-          <a:chExt cx="0" cy="0"/>
-        </a:xfrm>
-      </p:grpSpPr>
-      <p:sp>
-        <p:nvSpPr>
-          <p:cNvPr id="195" name="Shape 195"/>
-          <p:cNvSpPr txBox="1">
-            <a:spLocks noGrp="1"/>
-          </p:cNvSpPr>
-          <p:nvPr>
-            <p:ph type="title"/>
-          </p:nvPr>
-        </p:nvSpPr>
-        <p:spPr/>
-        <p:txBody>
-          <a:bodyPr/>
-          <a:lstStyle/>
-          <a:p>
-            <a:pPr lvl="0"/>
-            <a:r>
-              <a:rPr lang="en-US" sz="3600" dirty="0" smtClean="0">
-                <a:solidFill>
-                  <a:schemeClr val="accent1"/>
-                </a:solidFill>
-                <a:sym typeface="Arial"/>
-              </a:rPr>
-              <a:t>Topics in this Session</a:t>
-            </a:r>
-            <a:endParaRPr lang="en-US" sz="3600" dirty="0">
-              <a:solidFill>
-                <a:schemeClr val="accent1"/>
-              </a:solidFill>
-              <a:sym typeface="Arial"/>
-            </a:endParaRPr>
-          </a:p>
-        </p:txBody>
-      </p:sp>
-      <p:sp>
-        <p:nvSpPr>
-          <p:cNvPr id="196" name="Shape 196"/>
-          <p:cNvSpPr txBox="1">
-            <a:spLocks noGrp="1"/>
-          </p:cNvSpPr>
-          <p:nvPr>
-            <p:ph type="body" sz="quarter" idx="4294967295"/>
-          </p:nvPr>
-        </p:nvSpPr>
-        <p:spPr>
-          <a:xfrm>
-            <a:off x="431800" y="624362"/>
-            <a:ext cx="8551408" cy="3848609"/>
-          </a:xfrm>
-          <a:prstGeom prst="rect">
-            <a:avLst/>
-          </a:prstGeom>
-        </p:spPr>
-        <p:txBody>
-          <a:bodyPr/>
-          <a:lstStyle/>
-          <a:p>
-            <a:pPr marL="0" lvl="0" indent="0">
-              <a:buClr>
-                <a:srgbClr val="008774"/>
-              </a:buClr>
-              <a:buNone/>
-            </a:pPr>
-            <a:endParaRPr lang="en-US" sz="2800" dirty="0" smtClean="0">
-              <a:sym typeface="Arial"/>
-            </a:endParaRPr>
-          </a:p>
-          <a:p>
-            <a:pPr>
-              <a:buClr>
-                <a:srgbClr val="008774"/>
-              </a:buClr>
-            </a:pPr>
-            <a:r>
-              <a:rPr lang="en-US" sz="2400" dirty="0" smtClean="0">
-                <a:sym typeface="Arial"/>
-              </a:rPr>
-              <a:t>Review Spring Data</a:t>
-            </a:r>
-            <a:endParaRPr lang="en-US" sz="2000" dirty="0" smtClean="0">
-              <a:sym typeface="Arial"/>
-            </a:endParaRPr>
-          </a:p>
-          <a:p>
-            <a:pPr>
-              <a:buClr>
-                <a:srgbClr val="008774"/>
-              </a:buClr>
-            </a:pPr>
-            <a:r>
-              <a:rPr lang="en-US" sz="2400" b="1" dirty="0" smtClean="0">
-                <a:sym typeface="Arial"/>
-              </a:rPr>
-              <a:t>Spring Data REST</a:t>
-            </a:r>
-          </a:p>
-        </p:txBody>
-      </p:sp>
-      <p:sp>
-        <p:nvSpPr>
-          <p:cNvPr id="3" name="TextBox 2"/>
-          <p:cNvSpPr txBox="1"/>
-          <p:nvPr/>
-        </p:nvSpPr>
-        <p:spPr>
-          <a:xfrm>
-            <a:off x="8370455" y="4906818"/>
-            <a:ext cx="184666" cy="369332"/>
-          </a:xfrm>
-          <a:prstGeom prst="rect">
-            <a:avLst/>
-          </a:prstGeom>
-          <a:noFill/>
-        </p:spPr>
-        <p:txBody>
-          <a:bodyPr wrap="none" rtlCol="0">
-            <a:spAutoFit/>
-          </a:bodyPr>
-          <a:lstStyle/>
-          <a:p>
-            <a:endParaRPr lang="en-US" dirty="0"/>
-          </a:p>
-        </p:txBody>
-      </p:sp>
-    </p:spTree>
-    <p:extLst>
-      <p:ext uri="{BB962C8B-B14F-4D97-AF65-F5344CB8AC3E}">
-        <p14:creationId xmlns:p14="http://schemas.microsoft.com/office/powerpoint/2010/main" val="970695873"/>
       </p:ext>
     </p:extLst>
   </p:cSld>
